--- a/slides/01_welcome.pptx
+++ b/slides/01_welcome.pptx
@@ -5493,7 +5493,16 @@
             </a:pPr>
             <a:r>
               <a:rPr/>
-              <a:t>– Introduce the course and project goals. – Set up the development environment. • Activities: – Overview of the weather dashboard project. – Install Python, Jupyter, and necessary libraries. – Basic Git commands: clone, commit, push.</a:t>
+              <a:t>– Introduce the course and project goals. – Set up the development environment.</a:t>
+            </a:r>
+          </a:p>
+          <a:p>
+            <a:pPr lvl="0" indent="0" marL="0">
+              <a:buNone/>
+            </a:pPr>
+            <a:r>
+              <a:rPr/>
+              <a:t>Activities: – Overview of the weather dashboard project. – Install Python, Jupyter, and necessary libraries. – Basic Git commands: clone, commit, push.</a:t>
             </a:r>
           </a:p>
         </p:txBody>
